--- a/Slides/0909Recitation.pptx
+++ b/Slides/0909Recitation.pptx
@@ -562,6 +562,1022 @@
     <p:extLst>
       <p:ext uri="{BB962C8B-B14F-4D97-AF65-F5344CB8AC3E}">
         <p14:creationId xmlns:p14="http://schemas.microsoft.com/office/powerpoint/2010/main" val="2850174183"/>
+      </p:ext>
+    </p:extLst>
+  </p:cSld>
+  <p:clrMapOvr>
+    <a:masterClrMapping/>
+  </p:clrMapOvr>
+</p:notes>
+</file>
+
+<file path=ppt/notesSlides/notesSlide10.xml><?xml version="1.0" encoding="utf-8"?>
+<p:notes xmlns:a="http://schemas.openxmlformats.org/drawingml/2006/main" xmlns:r="http://schemas.openxmlformats.org/officeDocument/2006/relationships" xmlns:p="http://schemas.openxmlformats.org/presentationml/2006/main">
+  <p:cSld>
+    <p:spTree>
+      <p:nvGrpSpPr>
+        <p:cNvPr id="1" name=""/>
+        <p:cNvGrpSpPr/>
+        <p:nvPr/>
+      </p:nvGrpSpPr>
+      <p:grpSpPr>
+        <a:xfrm>
+          <a:off x="0" y="0"/>
+          <a:ext cx="0" cy="0"/>
+          <a:chOff x="0" y="0"/>
+          <a:chExt cx="0" cy="0"/>
+        </a:xfrm>
+      </p:grpSpPr>
+      <p:sp>
+        <p:nvSpPr>
+          <p:cNvPr id="2" name="Slide Image Placeholder 1"/>
+          <p:cNvSpPr>
+            <a:spLocks noGrp="1" noRot="1" noChangeAspect="1"/>
+          </p:cNvSpPr>
+          <p:nvPr>
+            <p:ph type="sldImg"/>
+          </p:nvPr>
+        </p:nvSpPr>
+        <p:spPr/>
+      </p:sp>
+      <p:sp>
+        <p:nvSpPr>
+          <p:cNvPr id="3" name="Notes Placeholder 2"/>
+          <p:cNvSpPr>
+            <a:spLocks noGrp="1"/>
+          </p:cNvSpPr>
+          <p:nvPr>
+            <p:ph type="body" idx="1"/>
+          </p:nvPr>
+        </p:nvSpPr>
+        <p:spPr/>
+        <p:txBody>
+          <a:bodyPr/>
+          <a:lstStyle/>
+          <a:p>
+            <a:r>
+              <a:rPr lang="en-US" dirty="0"/>
+              <a:t>You always need a variable type before the variable, otherwise your program won’t compile</a:t>
+            </a:r>
+          </a:p>
+        </p:txBody>
+      </p:sp>
+      <p:sp>
+        <p:nvSpPr>
+          <p:cNvPr id="4" name="Slide Number Placeholder 3"/>
+          <p:cNvSpPr>
+            <a:spLocks noGrp="1"/>
+          </p:cNvSpPr>
+          <p:nvPr>
+            <p:ph type="sldNum" sz="quarter" idx="5"/>
+          </p:nvPr>
+        </p:nvSpPr>
+        <p:spPr/>
+        <p:txBody>
+          <a:bodyPr/>
+          <a:lstStyle/>
+          <a:p>
+            <a:fld id="{12AC35DA-9462-6A4F-A7AC-CDD8C541B644}" type="slidenum">
+              <a:rPr lang="en-US" smtClean="0"/>
+              <a:t>15</a:t>
+            </a:fld>
+            <a:endParaRPr lang="en-US"/>
+          </a:p>
+        </p:txBody>
+      </p:sp>
+    </p:spTree>
+    <p:extLst>
+      <p:ext uri="{BB962C8B-B14F-4D97-AF65-F5344CB8AC3E}">
+        <p14:creationId xmlns:p14="http://schemas.microsoft.com/office/powerpoint/2010/main" val="3990152036"/>
+      </p:ext>
+    </p:extLst>
+  </p:cSld>
+  <p:clrMapOvr>
+    <a:masterClrMapping/>
+  </p:clrMapOvr>
+</p:notes>
+</file>
+
+<file path=ppt/notesSlides/notesSlide2.xml><?xml version="1.0" encoding="utf-8"?>
+<p:notes xmlns:a="http://schemas.openxmlformats.org/drawingml/2006/main" xmlns:r="http://schemas.openxmlformats.org/officeDocument/2006/relationships" xmlns:p="http://schemas.openxmlformats.org/presentationml/2006/main">
+  <p:cSld>
+    <p:spTree>
+      <p:nvGrpSpPr>
+        <p:cNvPr id="1" name=""/>
+        <p:cNvGrpSpPr/>
+        <p:nvPr/>
+      </p:nvGrpSpPr>
+      <p:grpSpPr>
+        <a:xfrm>
+          <a:off x="0" y="0"/>
+          <a:ext cx="0" cy="0"/>
+          <a:chOff x="0" y="0"/>
+          <a:chExt cx="0" cy="0"/>
+        </a:xfrm>
+      </p:grpSpPr>
+      <p:sp>
+        <p:nvSpPr>
+          <p:cNvPr id="2" name="Slide Image Placeholder 1"/>
+          <p:cNvSpPr>
+            <a:spLocks noGrp="1" noRot="1" noChangeAspect="1"/>
+          </p:cNvSpPr>
+          <p:nvPr>
+            <p:ph type="sldImg"/>
+          </p:nvPr>
+        </p:nvSpPr>
+        <p:spPr/>
+      </p:sp>
+      <p:sp>
+        <p:nvSpPr>
+          <p:cNvPr id="3" name="Notes Placeholder 2"/>
+          <p:cNvSpPr>
+            <a:spLocks noGrp="1"/>
+          </p:cNvSpPr>
+          <p:nvPr>
+            <p:ph type="body" idx="1"/>
+          </p:nvPr>
+        </p:nvSpPr>
+        <p:spPr/>
+        <p:txBody>
+          <a:bodyPr/>
+          <a:lstStyle/>
+          <a:p>
+            <a:r>
+              <a:rPr lang="en-US" dirty="0"/>
+              <a:t>Hey y’all I’m Michael and I’m a sophomore majoring in CS. I’m from the Lehigh Valley, specifically Northampton, which is on the other side of the state.</a:t>
+            </a:r>
+          </a:p>
+          <a:p>
+            <a:r>
+              <a:rPr lang="en-US" dirty="0"/>
+              <a:t>Outside of academics, I’m a Pathfinder, a video editor for TPN, and in the CS club.</a:t>
+            </a:r>
+          </a:p>
+          <a:p>
+            <a:r>
+              <a:rPr lang="en-US" dirty="0"/>
+              <a:t>Two side notes, one we are recruiting for Pathfinders please join. We’re in desperate need of CS majors.</a:t>
+            </a:r>
+          </a:p>
+          <a:p>
+            <a:r>
+              <a:rPr lang="en-US" dirty="0"/>
+              <a:t>Also the CS club has great resources for anyone, CS or not. Consider joining to further your professional career.</a:t>
+            </a:r>
+          </a:p>
+          <a:p>
+            <a:r>
+              <a:rPr lang="en-US" dirty="0"/>
+              <a:t>Please email me if you ever have questions that you think I can answer. I try to respond as quickly as possible. I don’t sleep much so I’m probably awake and can respond. I’ll try to setup a time to meet with you/Zoom if it’s something that’s in depth.</a:t>
+            </a:r>
+          </a:p>
+        </p:txBody>
+      </p:sp>
+      <p:sp>
+        <p:nvSpPr>
+          <p:cNvPr id="4" name="Slide Number Placeholder 3"/>
+          <p:cNvSpPr>
+            <a:spLocks noGrp="1"/>
+          </p:cNvSpPr>
+          <p:nvPr>
+            <p:ph type="sldNum" sz="quarter" idx="5"/>
+          </p:nvPr>
+        </p:nvSpPr>
+        <p:spPr/>
+        <p:txBody>
+          <a:bodyPr/>
+          <a:lstStyle/>
+          <a:p>
+            <a:fld id="{12AC35DA-9462-6A4F-A7AC-CDD8C541B644}" type="slidenum">
+              <a:rPr lang="en-US" smtClean="0"/>
+              <a:t>3</a:t>
+            </a:fld>
+            <a:endParaRPr lang="en-US"/>
+          </a:p>
+        </p:txBody>
+      </p:sp>
+    </p:spTree>
+    <p:extLst>
+      <p:ext uri="{BB962C8B-B14F-4D97-AF65-F5344CB8AC3E}">
+        <p14:creationId xmlns:p14="http://schemas.microsoft.com/office/powerpoint/2010/main" val="228099438"/>
+      </p:ext>
+    </p:extLst>
+  </p:cSld>
+  <p:clrMapOvr>
+    <a:masterClrMapping/>
+  </p:clrMapOvr>
+</p:notes>
+</file>
+
+<file path=ppt/notesSlides/notesSlide3.xml><?xml version="1.0" encoding="utf-8"?>
+<p:notes xmlns:a="http://schemas.openxmlformats.org/drawingml/2006/main" xmlns:r="http://schemas.openxmlformats.org/officeDocument/2006/relationships" xmlns:p="http://schemas.openxmlformats.org/presentationml/2006/main">
+  <p:cSld>
+    <p:spTree>
+      <p:nvGrpSpPr>
+        <p:cNvPr id="1" name=""/>
+        <p:cNvGrpSpPr/>
+        <p:nvPr/>
+      </p:nvGrpSpPr>
+      <p:grpSpPr>
+        <a:xfrm>
+          <a:off x="0" y="0"/>
+          <a:ext cx="0" cy="0"/>
+          <a:chOff x="0" y="0"/>
+          <a:chExt cx="0" cy="0"/>
+        </a:xfrm>
+      </p:grpSpPr>
+      <p:sp>
+        <p:nvSpPr>
+          <p:cNvPr id="2" name="Slide Image Placeholder 1"/>
+          <p:cNvSpPr>
+            <a:spLocks noGrp="1" noRot="1" noChangeAspect="1"/>
+          </p:cNvSpPr>
+          <p:nvPr>
+            <p:ph type="sldImg"/>
+          </p:nvPr>
+        </p:nvSpPr>
+        <p:spPr/>
+      </p:sp>
+      <p:sp>
+        <p:nvSpPr>
+          <p:cNvPr id="3" name="Notes Placeholder 2"/>
+          <p:cNvSpPr>
+            <a:spLocks noGrp="1"/>
+          </p:cNvSpPr>
+          <p:nvPr>
+            <p:ph type="body" idx="1"/>
+          </p:nvPr>
+        </p:nvSpPr>
+        <p:spPr/>
+        <p:txBody>
+          <a:bodyPr/>
+          <a:lstStyle/>
+          <a:p>
+            <a:endParaRPr lang="en-US" dirty="0"/>
+          </a:p>
+        </p:txBody>
+      </p:sp>
+      <p:sp>
+        <p:nvSpPr>
+          <p:cNvPr id="4" name="Slide Number Placeholder 3"/>
+          <p:cNvSpPr>
+            <a:spLocks noGrp="1"/>
+          </p:cNvSpPr>
+          <p:nvPr>
+            <p:ph type="sldNum" sz="quarter" idx="5"/>
+          </p:nvPr>
+        </p:nvSpPr>
+        <p:spPr/>
+        <p:txBody>
+          <a:bodyPr/>
+          <a:lstStyle/>
+          <a:p>
+            <a:fld id="{12AC35DA-9462-6A4F-A7AC-CDD8C541B644}" type="slidenum">
+              <a:rPr lang="en-US" smtClean="0"/>
+              <a:t>4</a:t>
+            </a:fld>
+            <a:endParaRPr lang="en-US"/>
+          </a:p>
+        </p:txBody>
+      </p:sp>
+    </p:spTree>
+    <p:extLst>
+      <p:ext uri="{BB962C8B-B14F-4D97-AF65-F5344CB8AC3E}">
+        <p14:creationId xmlns:p14="http://schemas.microsoft.com/office/powerpoint/2010/main" val="341166361"/>
+      </p:ext>
+    </p:extLst>
+  </p:cSld>
+  <p:clrMapOvr>
+    <a:masterClrMapping/>
+  </p:clrMapOvr>
+</p:notes>
+</file>
+
+<file path=ppt/notesSlides/notesSlide4.xml><?xml version="1.0" encoding="utf-8"?>
+<p:notes xmlns:a="http://schemas.openxmlformats.org/drawingml/2006/main" xmlns:r="http://schemas.openxmlformats.org/officeDocument/2006/relationships" xmlns:p="http://schemas.openxmlformats.org/presentationml/2006/main">
+  <p:cSld>
+    <p:spTree>
+      <p:nvGrpSpPr>
+        <p:cNvPr id="1" name=""/>
+        <p:cNvGrpSpPr/>
+        <p:nvPr/>
+      </p:nvGrpSpPr>
+      <p:grpSpPr>
+        <a:xfrm>
+          <a:off x="0" y="0"/>
+          <a:ext cx="0" cy="0"/>
+          <a:chOff x="0" y="0"/>
+          <a:chExt cx="0" cy="0"/>
+        </a:xfrm>
+      </p:grpSpPr>
+      <p:sp>
+        <p:nvSpPr>
+          <p:cNvPr id="2" name="Slide Image Placeholder 1"/>
+          <p:cNvSpPr>
+            <a:spLocks noGrp="1" noRot="1" noChangeAspect="1"/>
+          </p:cNvSpPr>
+          <p:nvPr>
+            <p:ph type="sldImg"/>
+          </p:nvPr>
+        </p:nvSpPr>
+        <p:spPr/>
+      </p:sp>
+      <p:sp>
+        <p:nvSpPr>
+          <p:cNvPr id="3" name="Notes Placeholder 2"/>
+          <p:cNvSpPr>
+            <a:spLocks noGrp="1"/>
+          </p:cNvSpPr>
+          <p:nvPr>
+            <p:ph type="body" idx="1"/>
+          </p:nvPr>
+        </p:nvSpPr>
+        <p:spPr/>
+        <p:txBody>
+          <a:bodyPr/>
+          <a:lstStyle/>
+          <a:p>
+            <a:r>
+              <a:rPr lang="en-US" dirty="0"/>
+              <a:t>Let’s go over the command line again! I mentioned that cd command in the last lecture.</a:t>
+            </a:r>
+          </a:p>
+          <a:p>
+            <a:r>
+              <a:rPr lang="en-US" dirty="0"/>
+              <a:t>Explain example</a:t>
+            </a:r>
+          </a:p>
+        </p:txBody>
+      </p:sp>
+      <p:sp>
+        <p:nvSpPr>
+          <p:cNvPr id="4" name="Slide Number Placeholder 3"/>
+          <p:cNvSpPr>
+            <a:spLocks noGrp="1"/>
+          </p:cNvSpPr>
+          <p:nvPr>
+            <p:ph type="sldNum" sz="quarter" idx="5"/>
+          </p:nvPr>
+        </p:nvSpPr>
+        <p:spPr/>
+        <p:txBody>
+          <a:bodyPr/>
+          <a:lstStyle/>
+          <a:p>
+            <a:fld id="{12AC35DA-9462-6A4F-A7AC-CDD8C541B644}" type="slidenum">
+              <a:rPr lang="en-US" smtClean="0"/>
+              <a:t>6</a:t>
+            </a:fld>
+            <a:endParaRPr lang="en-US"/>
+          </a:p>
+        </p:txBody>
+      </p:sp>
+    </p:spTree>
+    <p:extLst>
+      <p:ext uri="{BB962C8B-B14F-4D97-AF65-F5344CB8AC3E}">
+        <p14:creationId xmlns:p14="http://schemas.microsoft.com/office/powerpoint/2010/main" val="3998261042"/>
+      </p:ext>
+    </p:extLst>
+  </p:cSld>
+  <p:clrMapOvr>
+    <a:masterClrMapping/>
+  </p:clrMapOvr>
+</p:notes>
+</file>
+
+<file path=ppt/notesSlides/notesSlide5.xml><?xml version="1.0" encoding="utf-8"?>
+<p:notes xmlns:a="http://schemas.openxmlformats.org/drawingml/2006/main" xmlns:r="http://schemas.openxmlformats.org/officeDocument/2006/relationships" xmlns:p="http://schemas.openxmlformats.org/presentationml/2006/main">
+  <p:cSld>
+    <p:spTree>
+      <p:nvGrpSpPr>
+        <p:cNvPr id="1" name=""/>
+        <p:cNvGrpSpPr/>
+        <p:nvPr/>
+      </p:nvGrpSpPr>
+      <p:grpSpPr>
+        <a:xfrm>
+          <a:off x="0" y="0"/>
+          <a:ext cx="0" cy="0"/>
+          <a:chOff x="0" y="0"/>
+          <a:chExt cx="0" cy="0"/>
+        </a:xfrm>
+      </p:grpSpPr>
+      <p:sp>
+        <p:nvSpPr>
+          <p:cNvPr id="2" name="Slide Image Placeholder 1"/>
+          <p:cNvSpPr>
+            <a:spLocks noGrp="1" noRot="1" noChangeAspect="1"/>
+          </p:cNvSpPr>
+          <p:nvPr>
+            <p:ph type="sldImg"/>
+          </p:nvPr>
+        </p:nvSpPr>
+        <p:spPr/>
+      </p:sp>
+      <p:sp>
+        <p:nvSpPr>
+          <p:cNvPr id="3" name="Notes Placeholder 2"/>
+          <p:cNvSpPr>
+            <a:spLocks noGrp="1"/>
+          </p:cNvSpPr>
+          <p:nvPr>
+            <p:ph type="body" idx="1"/>
+          </p:nvPr>
+        </p:nvSpPr>
+        <p:spPr/>
+        <p:txBody>
+          <a:bodyPr/>
+          <a:lstStyle/>
+          <a:p>
+            <a:r>
+              <a:rPr lang="en-US" dirty="0"/>
+              <a:t>Explaining java and </a:t>
+            </a:r>
+            <a:r>
+              <a:rPr lang="en-US" dirty="0" err="1"/>
+              <a:t>javac</a:t>
+            </a:r>
+            <a:endParaRPr lang="en-US" dirty="0"/>
+          </a:p>
+          <a:p>
+            <a:r>
+              <a:rPr lang="en-US" dirty="0"/>
+              <a:t>HINT for hello world</a:t>
+            </a:r>
+          </a:p>
+        </p:txBody>
+      </p:sp>
+      <p:sp>
+        <p:nvSpPr>
+          <p:cNvPr id="4" name="Slide Number Placeholder 3"/>
+          <p:cNvSpPr>
+            <a:spLocks noGrp="1"/>
+          </p:cNvSpPr>
+          <p:nvPr>
+            <p:ph type="sldNum" sz="quarter" idx="5"/>
+          </p:nvPr>
+        </p:nvSpPr>
+        <p:spPr/>
+        <p:txBody>
+          <a:bodyPr/>
+          <a:lstStyle/>
+          <a:p>
+            <a:fld id="{12AC35DA-9462-6A4F-A7AC-CDD8C541B644}" type="slidenum">
+              <a:rPr lang="en-US" smtClean="0"/>
+              <a:t>7</a:t>
+            </a:fld>
+            <a:endParaRPr lang="en-US"/>
+          </a:p>
+        </p:txBody>
+      </p:sp>
+    </p:spTree>
+    <p:extLst>
+      <p:ext uri="{BB962C8B-B14F-4D97-AF65-F5344CB8AC3E}">
+        <p14:creationId xmlns:p14="http://schemas.microsoft.com/office/powerpoint/2010/main" val="2706146745"/>
+      </p:ext>
+    </p:extLst>
+  </p:cSld>
+  <p:clrMapOvr>
+    <a:masterClrMapping/>
+  </p:clrMapOvr>
+</p:notes>
+</file>
+
+<file path=ppt/notesSlides/notesSlide6.xml><?xml version="1.0" encoding="utf-8"?>
+<p:notes xmlns:a="http://schemas.openxmlformats.org/drawingml/2006/main" xmlns:r="http://schemas.openxmlformats.org/officeDocument/2006/relationships" xmlns:p="http://schemas.openxmlformats.org/presentationml/2006/main">
+  <p:cSld>
+    <p:spTree>
+      <p:nvGrpSpPr>
+        <p:cNvPr id="1" name=""/>
+        <p:cNvGrpSpPr/>
+        <p:nvPr/>
+      </p:nvGrpSpPr>
+      <p:grpSpPr>
+        <a:xfrm>
+          <a:off x="0" y="0"/>
+          <a:ext cx="0" cy="0"/>
+          <a:chOff x="0" y="0"/>
+          <a:chExt cx="0" cy="0"/>
+        </a:xfrm>
+      </p:grpSpPr>
+      <p:sp>
+        <p:nvSpPr>
+          <p:cNvPr id="2" name="Slide Image Placeholder 1"/>
+          <p:cNvSpPr>
+            <a:spLocks noGrp="1" noRot="1" noChangeAspect="1"/>
+          </p:cNvSpPr>
+          <p:nvPr>
+            <p:ph type="sldImg"/>
+          </p:nvPr>
+        </p:nvSpPr>
+        <p:spPr/>
+      </p:sp>
+      <p:sp>
+        <p:nvSpPr>
+          <p:cNvPr id="3" name="Notes Placeholder 2"/>
+          <p:cNvSpPr>
+            <a:spLocks noGrp="1"/>
+          </p:cNvSpPr>
+          <p:nvPr>
+            <p:ph type="body" idx="1"/>
+          </p:nvPr>
+        </p:nvSpPr>
+        <p:spPr/>
+        <p:txBody>
+          <a:bodyPr/>
+          <a:lstStyle/>
+          <a:p>
+            <a:r>
+              <a:rPr lang="en-US" dirty="0"/>
+              <a:t>API: application programming interface.</a:t>
+            </a:r>
+          </a:p>
+          <a:p>
+            <a:pPr marL="0" marR="0" lvl="0" indent="0" algn="l" defTabSz="914400" rtl="0" eaLnBrk="1" fontAlgn="auto" latinLnBrk="0" hangingPunct="1">
+              <a:lnSpc>
+                <a:spcPct val="100000"/>
+              </a:lnSpc>
+              <a:spcBef>
+                <a:spcPts val="0"/>
+              </a:spcBef>
+              <a:spcAft>
+                <a:spcPts val="0"/>
+              </a:spcAft>
+              <a:buClrTx/>
+              <a:buSzTx/>
+              <a:buFontTx/>
+              <a:buNone/>
+              <a:tabLst/>
+              <a:defRPr/>
+            </a:pPr>
+            <a:r>
+              <a:rPr lang="en-US" dirty="0"/>
+              <a:t>Defined as: </a:t>
+            </a:r>
+            <a:r>
+              <a:rPr lang="en-US" sz="1200" b="0" i="0" u="none" strike="noStrike" kern="1200" dirty="0">
+                <a:solidFill>
+                  <a:schemeClr val="tx1"/>
+                </a:solidFill>
+                <a:effectLst/>
+                <a:latin typeface="+mn-lt"/>
+                <a:ea typeface="+mn-ea"/>
+                <a:cs typeface="+mn-cs"/>
+              </a:rPr>
+              <a:t>a set of functions and procedures allowing the creation of applications that access the features or data of an operating system, application, or other service.</a:t>
+            </a:r>
+          </a:p>
+          <a:p>
+            <a:pPr marL="0" marR="0" lvl="0" indent="0" algn="l" defTabSz="914400" rtl="0" eaLnBrk="1" fontAlgn="auto" latinLnBrk="0" hangingPunct="1">
+              <a:lnSpc>
+                <a:spcPct val="100000"/>
+              </a:lnSpc>
+              <a:spcBef>
+                <a:spcPts val="0"/>
+              </a:spcBef>
+              <a:spcAft>
+                <a:spcPts val="0"/>
+              </a:spcAft>
+              <a:buClrTx/>
+              <a:buSzTx/>
+              <a:buFontTx/>
+              <a:buNone/>
+              <a:tabLst/>
+              <a:defRPr/>
+            </a:pPr>
+            <a:r>
+              <a:rPr lang="en-US" sz="1200" b="0" i="0" u="none" strike="noStrike" kern="1200" dirty="0">
+                <a:solidFill>
+                  <a:schemeClr val="tx1"/>
+                </a:solidFill>
+                <a:effectLst/>
+                <a:latin typeface="+mn-lt"/>
+                <a:ea typeface="+mn-ea"/>
+                <a:cs typeface="+mn-cs"/>
+              </a:rPr>
+              <a:t>There are APIs for everything! Getting weather data, our Pitt dining hall menus, and even to code in Java.</a:t>
+            </a:r>
+          </a:p>
+          <a:p>
+            <a:pPr marL="0" marR="0" lvl="0" indent="0" algn="l" defTabSz="914400" rtl="0" eaLnBrk="1" fontAlgn="auto" latinLnBrk="0" hangingPunct="1">
+              <a:lnSpc>
+                <a:spcPct val="100000"/>
+              </a:lnSpc>
+              <a:spcBef>
+                <a:spcPts val="0"/>
+              </a:spcBef>
+              <a:spcAft>
+                <a:spcPts val="0"/>
+              </a:spcAft>
+              <a:buClrTx/>
+              <a:buSzTx/>
+              <a:buFontTx/>
+              <a:buNone/>
+              <a:tabLst/>
+              <a:defRPr/>
+            </a:pPr>
+            <a:r>
+              <a:rPr lang="en-US" sz="1200" b="0" i="0" u="none" strike="noStrike" kern="1200" dirty="0">
+                <a:solidFill>
+                  <a:schemeClr val="tx1"/>
+                </a:solidFill>
+                <a:effectLst/>
+                <a:latin typeface="+mn-lt"/>
+                <a:ea typeface="+mn-ea"/>
+                <a:cs typeface="+mn-cs"/>
+              </a:rPr>
+              <a:t>I mentioned that we’ll talk some math examples, so here is an example using the Math API</a:t>
+            </a:r>
+          </a:p>
+          <a:p>
+            <a:pPr marL="0" marR="0" lvl="0" indent="0" algn="l" defTabSz="914400" rtl="0" eaLnBrk="1" fontAlgn="auto" latinLnBrk="0" hangingPunct="1">
+              <a:lnSpc>
+                <a:spcPct val="100000"/>
+              </a:lnSpc>
+              <a:spcBef>
+                <a:spcPts val="0"/>
+              </a:spcBef>
+              <a:spcAft>
+                <a:spcPts val="0"/>
+              </a:spcAft>
+              <a:buClrTx/>
+              <a:buSzTx/>
+              <a:buFontTx/>
+              <a:buNone/>
+              <a:tabLst/>
+              <a:defRPr/>
+            </a:pPr>
+            <a:r>
+              <a:rPr lang="en-US" sz="1200" b="0" i="0" u="none" strike="noStrike" kern="1200" dirty="0">
+                <a:solidFill>
+                  <a:schemeClr val="tx1"/>
+                </a:solidFill>
+                <a:effectLst/>
+                <a:latin typeface="+mn-lt"/>
+                <a:ea typeface="+mn-ea"/>
+                <a:cs typeface="+mn-cs"/>
+              </a:rPr>
+              <a:t>Use </a:t>
+            </a:r>
+            <a:r>
+              <a:rPr lang="en-US" sz="1200" b="0" i="0" u="none" strike="noStrike" kern="1200" dirty="0" err="1">
+                <a:solidFill>
+                  <a:schemeClr val="tx1"/>
+                </a:solidFill>
+                <a:effectLst/>
+                <a:latin typeface="+mn-lt"/>
+                <a:ea typeface="+mn-ea"/>
+                <a:cs typeface="+mn-cs"/>
+              </a:rPr>
+              <a:t>jshell</a:t>
+            </a:r>
+            <a:r>
+              <a:rPr lang="en-US" sz="1200" b="0" i="0" u="none" strike="noStrike" kern="1200" dirty="0">
+                <a:solidFill>
+                  <a:schemeClr val="tx1"/>
+                </a:solidFill>
+                <a:effectLst/>
+                <a:latin typeface="+mn-lt"/>
+                <a:ea typeface="+mn-ea"/>
+                <a:cs typeface="+mn-cs"/>
+              </a:rPr>
+              <a:t> quick</a:t>
+            </a:r>
+          </a:p>
+          <a:p>
+            <a:endParaRPr lang="en-US" dirty="0"/>
+          </a:p>
+        </p:txBody>
+      </p:sp>
+      <p:sp>
+        <p:nvSpPr>
+          <p:cNvPr id="4" name="Slide Number Placeholder 3"/>
+          <p:cNvSpPr>
+            <a:spLocks noGrp="1"/>
+          </p:cNvSpPr>
+          <p:nvPr>
+            <p:ph type="sldNum" sz="quarter" idx="5"/>
+          </p:nvPr>
+        </p:nvSpPr>
+        <p:spPr/>
+        <p:txBody>
+          <a:bodyPr/>
+          <a:lstStyle/>
+          <a:p>
+            <a:fld id="{12AC35DA-9462-6A4F-A7AC-CDD8C541B644}" type="slidenum">
+              <a:rPr lang="en-US" smtClean="0"/>
+              <a:t>9</a:t>
+            </a:fld>
+            <a:endParaRPr lang="en-US"/>
+          </a:p>
+        </p:txBody>
+      </p:sp>
+    </p:spTree>
+    <p:extLst>
+      <p:ext uri="{BB962C8B-B14F-4D97-AF65-F5344CB8AC3E}">
+        <p14:creationId xmlns:p14="http://schemas.microsoft.com/office/powerpoint/2010/main" val="4230347017"/>
+      </p:ext>
+    </p:extLst>
+  </p:cSld>
+  <p:clrMapOvr>
+    <a:masterClrMapping/>
+  </p:clrMapOvr>
+</p:notes>
+</file>
+
+<file path=ppt/notesSlides/notesSlide7.xml><?xml version="1.0" encoding="utf-8"?>
+<p:notes xmlns:a="http://schemas.openxmlformats.org/drawingml/2006/main" xmlns:r="http://schemas.openxmlformats.org/officeDocument/2006/relationships" xmlns:p="http://schemas.openxmlformats.org/presentationml/2006/main">
+  <p:cSld>
+    <p:spTree>
+      <p:nvGrpSpPr>
+        <p:cNvPr id="1" name=""/>
+        <p:cNvGrpSpPr/>
+        <p:nvPr/>
+      </p:nvGrpSpPr>
+      <p:grpSpPr>
+        <a:xfrm>
+          <a:off x="0" y="0"/>
+          <a:ext cx="0" cy="0"/>
+          <a:chOff x="0" y="0"/>
+          <a:chExt cx="0" cy="0"/>
+        </a:xfrm>
+      </p:grpSpPr>
+      <p:sp>
+        <p:nvSpPr>
+          <p:cNvPr id="2" name="Slide Image Placeholder 1"/>
+          <p:cNvSpPr>
+            <a:spLocks noGrp="1" noRot="1" noChangeAspect="1"/>
+          </p:cNvSpPr>
+          <p:nvPr>
+            <p:ph type="sldImg"/>
+          </p:nvPr>
+        </p:nvSpPr>
+        <p:spPr/>
+      </p:sp>
+      <p:sp>
+        <p:nvSpPr>
+          <p:cNvPr id="3" name="Notes Placeholder 2"/>
+          <p:cNvSpPr>
+            <a:spLocks noGrp="1"/>
+          </p:cNvSpPr>
+          <p:nvPr>
+            <p:ph type="body" idx="1"/>
+          </p:nvPr>
+        </p:nvSpPr>
+        <p:spPr/>
+        <p:txBody>
+          <a:bodyPr/>
+          <a:lstStyle/>
+          <a:p>
+            <a:endParaRPr lang="en-US" dirty="0"/>
+          </a:p>
+        </p:txBody>
+      </p:sp>
+      <p:sp>
+        <p:nvSpPr>
+          <p:cNvPr id="4" name="Slide Number Placeholder 3"/>
+          <p:cNvSpPr>
+            <a:spLocks noGrp="1"/>
+          </p:cNvSpPr>
+          <p:nvPr>
+            <p:ph type="sldNum" sz="quarter" idx="5"/>
+          </p:nvPr>
+        </p:nvSpPr>
+        <p:spPr/>
+        <p:txBody>
+          <a:bodyPr/>
+          <a:lstStyle/>
+          <a:p>
+            <a:fld id="{12AC35DA-9462-6A4F-A7AC-CDD8C541B644}" type="slidenum">
+              <a:rPr lang="en-US" smtClean="0"/>
+              <a:t>10</a:t>
+            </a:fld>
+            <a:endParaRPr lang="en-US"/>
+          </a:p>
+        </p:txBody>
+      </p:sp>
+    </p:spTree>
+    <p:extLst>
+      <p:ext uri="{BB962C8B-B14F-4D97-AF65-F5344CB8AC3E}">
+        <p14:creationId xmlns:p14="http://schemas.microsoft.com/office/powerpoint/2010/main" val="3994219118"/>
+      </p:ext>
+    </p:extLst>
+  </p:cSld>
+  <p:clrMapOvr>
+    <a:masterClrMapping/>
+  </p:clrMapOvr>
+</p:notes>
+</file>
+
+<file path=ppt/notesSlides/notesSlide8.xml><?xml version="1.0" encoding="utf-8"?>
+<p:notes xmlns:a="http://schemas.openxmlformats.org/drawingml/2006/main" xmlns:r="http://schemas.openxmlformats.org/officeDocument/2006/relationships" xmlns:p="http://schemas.openxmlformats.org/presentationml/2006/main">
+  <p:cSld>
+    <p:spTree>
+      <p:nvGrpSpPr>
+        <p:cNvPr id="1" name=""/>
+        <p:cNvGrpSpPr/>
+        <p:nvPr/>
+      </p:nvGrpSpPr>
+      <p:grpSpPr>
+        <a:xfrm>
+          <a:off x="0" y="0"/>
+          <a:ext cx="0" cy="0"/>
+          <a:chOff x="0" y="0"/>
+          <a:chExt cx="0" cy="0"/>
+        </a:xfrm>
+      </p:grpSpPr>
+      <p:sp>
+        <p:nvSpPr>
+          <p:cNvPr id="2" name="Slide Image Placeholder 1"/>
+          <p:cNvSpPr>
+            <a:spLocks noGrp="1" noRot="1" noChangeAspect="1"/>
+          </p:cNvSpPr>
+          <p:nvPr>
+            <p:ph type="sldImg"/>
+          </p:nvPr>
+        </p:nvSpPr>
+        <p:spPr/>
+      </p:sp>
+      <p:sp>
+        <p:nvSpPr>
+          <p:cNvPr id="3" name="Notes Placeholder 2"/>
+          <p:cNvSpPr>
+            <a:spLocks noGrp="1"/>
+          </p:cNvSpPr>
+          <p:nvPr>
+            <p:ph type="body" idx="1"/>
+          </p:nvPr>
+        </p:nvSpPr>
+        <p:spPr/>
+        <p:txBody>
+          <a:bodyPr/>
+          <a:lstStyle/>
+          <a:p>
+            <a:pPr fontAlgn="base"/>
+            <a:r>
+              <a:rPr lang="en-US" sz="1200" b="0" i="0" u="none" strike="noStrike" kern="1200" dirty="0">
+                <a:solidFill>
+                  <a:schemeClr val="tx1"/>
+                </a:solidFill>
+                <a:effectLst/>
+                <a:latin typeface="+mn-lt"/>
+                <a:ea typeface="+mn-ea"/>
+                <a:cs typeface="+mn-cs"/>
+              </a:rPr>
+              <a:t>A primitive is a data type that is composed of no other data types and can not be broken down any further. It is like the atoms in the programming scenario. I say atom because atom is a basic unit of matter and there is nothing that can be derived from it.</a:t>
+            </a:r>
+          </a:p>
+          <a:p>
+            <a:br>
+              <a:rPr lang="en-US" dirty="0"/>
+            </a:br>
+            <a:r>
+              <a:rPr lang="en-US" sz="1200" b="0" i="0" u="none" strike="noStrike" kern="1200" dirty="0">
+                <a:solidFill>
+                  <a:schemeClr val="tx1"/>
+                </a:solidFill>
+                <a:effectLst/>
+                <a:latin typeface="+mn-lt"/>
+                <a:ea typeface="+mn-ea"/>
+                <a:cs typeface="+mn-cs"/>
+              </a:rPr>
+              <a:t>An object, on the other hand can be thought of a molecule, consisting of more than one primitive type. For example, </a:t>
+            </a:r>
+            <a:r>
+              <a:rPr lang="en-US" dirty="0"/>
+              <a:t>string</a:t>
+            </a:r>
+            <a:r>
+              <a:rPr lang="en-US" sz="1200" b="0" i="0" u="none" strike="noStrike" kern="1200" dirty="0">
+                <a:solidFill>
+                  <a:schemeClr val="tx1"/>
+                </a:solidFill>
+                <a:effectLst/>
+                <a:latin typeface="+mn-lt"/>
+                <a:ea typeface="+mn-ea"/>
+                <a:cs typeface="+mn-cs"/>
+              </a:rPr>
+              <a:t> comes as part of the Java standard library; however, it is an object and it is composed of smaller data types internally and contains methods.</a:t>
+            </a:r>
+            <a:endParaRPr lang="en-US" dirty="0"/>
+          </a:p>
+        </p:txBody>
+      </p:sp>
+      <p:sp>
+        <p:nvSpPr>
+          <p:cNvPr id="4" name="Slide Number Placeholder 3"/>
+          <p:cNvSpPr>
+            <a:spLocks noGrp="1"/>
+          </p:cNvSpPr>
+          <p:nvPr>
+            <p:ph type="sldNum" sz="quarter" idx="5"/>
+          </p:nvPr>
+        </p:nvSpPr>
+        <p:spPr/>
+        <p:txBody>
+          <a:bodyPr/>
+          <a:lstStyle/>
+          <a:p>
+            <a:fld id="{12AC35DA-9462-6A4F-A7AC-CDD8C541B644}" type="slidenum">
+              <a:rPr lang="en-US" smtClean="0"/>
+              <a:t>12</a:t>
+            </a:fld>
+            <a:endParaRPr lang="en-US"/>
+          </a:p>
+        </p:txBody>
+      </p:sp>
+    </p:spTree>
+    <p:extLst>
+      <p:ext uri="{BB962C8B-B14F-4D97-AF65-F5344CB8AC3E}">
+        <p14:creationId xmlns:p14="http://schemas.microsoft.com/office/powerpoint/2010/main" val="3044825053"/>
+      </p:ext>
+    </p:extLst>
+  </p:cSld>
+  <p:clrMapOvr>
+    <a:masterClrMapping/>
+  </p:clrMapOvr>
+</p:notes>
+</file>
+
+<file path=ppt/notesSlides/notesSlide9.xml><?xml version="1.0" encoding="utf-8"?>
+<p:notes xmlns:a="http://schemas.openxmlformats.org/drawingml/2006/main" xmlns:r="http://schemas.openxmlformats.org/officeDocument/2006/relationships" xmlns:p="http://schemas.openxmlformats.org/presentationml/2006/main">
+  <p:cSld>
+    <p:spTree>
+      <p:nvGrpSpPr>
+        <p:cNvPr id="1" name=""/>
+        <p:cNvGrpSpPr/>
+        <p:nvPr/>
+      </p:nvGrpSpPr>
+      <p:grpSpPr>
+        <a:xfrm>
+          <a:off x="0" y="0"/>
+          <a:ext cx="0" cy="0"/>
+          <a:chOff x="0" y="0"/>
+          <a:chExt cx="0" cy="0"/>
+        </a:xfrm>
+      </p:grpSpPr>
+      <p:sp>
+        <p:nvSpPr>
+          <p:cNvPr id="2" name="Slide Image Placeholder 1"/>
+          <p:cNvSpPr>
+            <a:spLocks noGrp="1" noRot="1" noChangeAspect="1"/>
+          </p:cNvSpPr>
+          <p:nvPr>
+            <p:ph type="sldImg"/>
+          </p:nvPr>
+        </p:nvSpPr>
+        <p:spPr/>
+      </p:sp>
+      <p:sp>
+        <p:nvSpPr>
+          <p:cNvPr id="3" name="Notes Placeholder 2"/>
+          <p:cNvSpPr>
+            <a:spLocks noGrp="1"/>
+          </p:cNvSpPr>
+          <p:nvPr>
+            <p:ph type="body" idx="1"/>
+          </p:nvPr>
+        </p:nvSpPr>
+        <p:spPr/>
+        <p:txBody>
+          <a:bodyPr/>
+          <a:lstStyle/>
+          <a:p>
+            <a:r>
+              <a:rPr lang="en-US" dirty="0"/>
+              <a:t>Variable conventions: camelCase, other things listed on the slide</a:t>
+            </a:r>
+          </a:p>
+        </p:txBody>
+      </p:sp>
+      <p:sp>
+        <p:nvSpPr>
+          <p:cNvPr id="4" name="Slide Number Placeholder 3"/>
+          <p:cNvSpPr>
+            <a:spLocks noGrp="1"/>
+          </p:cNvSpPr>
+          <p:nvPr>
+            <p:ph type="sldNum" sz="quarter" idx="5"/>
+          </p:nvPr>
+        </p:nvSpPr>
+        <p:spPr/>
+        <p:txBody>
+          <a:bodyPr/>
+          <a:lstStyle/>
+          <a:p>
+            <a:fld id="{12AC35DA-9462-6A4F-A7AC-CDD8C541B644}" type="slidenum">
+              <a:rPr lang="en-US" smtClean="0"/>
+              <a:t>13</a:t>
+            </a:fld>
+            <a:endParaRPr lang="en-US"/>
+          </a:p>
+        </p:txBody>
+      </p:sp>
+    </p:spTree>
+    <p:extLst>
+      <p:ext uri="{BB962C8B-B14F-4D97-AF65-F5344CB8AC3E}">
+        <p14:creationId xmlns:p14="http://schemas.microsoft.com/office/powerpoint/2010/main" val="1549771844"/>
       </p:ext>
     </p:extLst>
   </p:cSld>
@@ -6766,14 +7782,14 @@
           <p:nvPr/>
         </p:nvPicPr>
         <p:blipFill>
-          <a:blip r:embed="rId2"/>
+          <a:blip r:embed="rId3"/>
           <a:stretch>
             <a:fillRect/>
           </a:stretch>
         </p:blipFill>
         <p:spPr>
           <a:xfrm>
-            <a:off x="3218755" y="4078023"/>
+            <a:off x="3231280" y="3874290"/>
             <a:ext cx="5003832" cy="1017729"/>
           </a:xfrm>
           <a:prstGeom prst="rect">
@@ -7608,7 +8624,7 @@
             </a:r>
             <a:r>
               <a:rPr lang="en-US" dirty="0">
-                <a:hlinkClick r:id="rId2"/>
+                <a:hlinkClick r:id="rId3"/>
               </a:rPr>
               <a:t>https://en.wikipedia.org/wiki/List_of_Java_keywords</a:t>
             </a:r>
@@ -7643,6 +8659,12 @@
             <a:r>
               <a:rPr lang="en-US" dirty="0"/>
               <a:t>)</a:t>
+            </a:r>
+          </a:p>
+          <a:p>
+            <a:r>
+              <a:rPr lang="en-US" dirty="0"/>
+              <a:t>Conventionally, you name your variables in camelCase.</a:t>
             </a:r>
           </a:p>
           <a:p>
@@ -8007,7 +9029,7 @@
           <p:nvPr/>
         </p:nvPicPr>
         <p:blipFill>
-          <a:blip r:embed="rId2"/>
+          <a:blip r:embed="rId3"/>
           <a:stretch>
             <a:fillRect/>
           </a:stretch>
@@ -8250,15 +9272,8 @@
           <a:p>
             <a:r>
               <a:rPr lang="en-US" dirty="0"/>
-              <a:t>You may end up using some of the other ones in the future, but… we’ll cross that bridge when we get there </a:t>
-            </a:r>
-            <a:r>
-              <a:rPr lang="en-US" dirty="0">
-                <a:sym typeface="Wingdings" panose="05000000000000000000" pitchFamily="2" charset="2"/>
-              </a:rPr>
-              <a:t></a:t>
-            </a:r>
-            <a:endParaRPr lang="en-US" dirty="0"/>
+              <a:t>You may end up using some of the other ones in the future, but… we’ll cross that bridge when we get there.</a:t>
+            </a:r>
           </a:p>
         </p:txBody>
       </p:sp>
@@ -8597,7 +9612,9 @@
         </p:nvSpPr>
         <p:spPr/>
         <p:txBody>
-          <a:bodyPr/>
+          <a:bodyPr>
+            <a:normAutofit lnSpcReduction="10000"/>
+          </a:bodyPr>
           <a:lstStyle/>
           <a:p>
             <a:pPr marL="285750" indent="-285750">
@@ -8616,7 +9633,7 @@
             </a:pPr>
             <a:r>
               <a:rPr lang="en-US" dirty="0"/>
-              <a:t>I’m a sophomore studying CS</a:t>
+              <a:t>I’m a sophomore majoring in CS</a:t>
             </a:r>
           </a:p>
           <a:p>
@@ -8650,17 +9667,57 @@
             </a:r>
           </a:p>
           <a:p>
-            <a:pPr marL="285750" indent="-285750">
+            <a:pPr marL="685800" lvl="1">
               <a:buFont typeface="Arial" panose="020B0604020202020204" pitchFamily="34" charset="0"/>
               <a:buChar char="•"/>
             </a:pPr>
             <a:r>
               <a:rPr lang="en-US" dirty="0"/>
+              <a:t>Join Pathfinders: </a:t>
+            </a:r>
+            <a:r>
+              <a:rPr lang="en-US" b="1" dirty="0">
+                <a:hlinkClick r:id="rId3"/>
+              </a:rPr>
+              <a:t>forms.gle/hREBWGdVktviWcuLA</a:t>
+            </a:r>
+            <a:endParaRPr lang="en-US" b="1" dirty="0"/>
+          </a:p>
+          <a:p>
+            <a:pPr marL="685800" lvl="1">
+              <a:buFont typeface="Arial" panose="020B0604020202020204" pitchFamily="34" charset="0"/>
+              <a:buChar char="•"/>
+            </a:pPr>
+            <a:r>
+              <a:rPr lang="en-US" dirty="0"/>
+              <a:t>Join Pitt CSC: </a:t>
+            </a:r>
+            <a:r>
+              <a:rPr lang="en-US" dirty="0">
+                <a:hlinkClick r:id="rId4"/>
+              </a:rPr>
+              <a:t>http://</a:t>
+            </a:r>
+            <a:r>
+              <a:rPr lang="en-US" dirty="0" err="1">
+                <a:hlinkClick r:id="rId4"/>
+              </a:rPr>
+              <a:t>pittcsc.org</a:t>
+            </a:r>
+            <a:endParaRPr lang="en-US" dirty="0"/>
+          </a:p>
+          <a:p>
+            <a:pPr marL="685800" lvl="1">
+              <a:buFont typeface="Arial" panose="020B0604020202020204" pitchFamily="34" charset="0"/>
+              <a:buChar char="•"/>
+            </a:pPr>
+            <a:r>
+              <a:rPr lang="en-US" dirty="0"/>
               <a:t>Y’all are always welcome to email me with questions: </a:t>
             </a:r>
             <a:r>
               <a:rPr lang="en-US" dirty="0">
-                <a:hlinkClick r:id="rId2"/>
+                <a:hlinkClick r:id="rId5"/>
               </a:rPr>
               <a:t>mab650@pitt.edu</a:t>
             </a:r>
@@ -8772,10 +9829,24 @@
           <a:p>
             <a:pPr lvl="1"/>
             <a:r>
-              <a:rPr lang="en-US" b="1"/>
-              <a:t>LINK</a:t>
-            </a:r>
-            <a:endParaRPr lang="en-US" b="1" dirty="0"/>
+              <a:rPr lang="en-US" dirty="0">
+                <a:hlinkClick r:id="rId3"/>
+              </a:rPr>
+              <a:t>https://</a:t>
+            </a:r>
+            <a:r>
+              <a:rPr lang="en-US" dirty="0" err="1">
+                <a:hlinkClick r:id="rId3"/>
+              </a:rPr>
+              <a:t>github.com</a:t>
+            </a:r>
+            <a:r>
+              <a:rPr lang="en-US" dirty="0">
+                <a:hlinkClick r:id="rId3"/>
+              </a:rPr>
+              <a:t>/michaelbartlett17/cs7-recs/</a:t>
+            </a:r>
+            <a:endParaRPr lang="en-US" dirty="0"/>
           </a:p>
           <a:p>
             <a:r>
@@ -9022,7 +10093,7 @@
           <p:nvPr/>
         </p:nvPicPr>
         <p:blipFill>
-          <a:blip r:embed="rId2"/>
+          <a:blip r:embed="rId3"/>
           <a:stretch>
             <a:fillRect/>
           </a:stretch>
@@ -9149,7 +10220,7 @@
           <p:nvPr/>
         </p:nvPicPr>
         <p:blipFill rotWithShape="1">
-          <a:blip r:embed="rId3"/>
+          <a:blip r:embed="rId4"/>
           <a:srcRect r="38240" b="69413"/>
           <a:stretch/>
         </p:blipFill>
@@ -9236,7 +10307,7 @@
           <p:nvPr/>
         </p:nvPicPr>
         <p:blipFill rotWithShape="1">
-          <a:blip r:embed="rId2"/>
+          <a:blip r:embed="rId3"/>
           <a:srcRect t="66295"/>
           <a:stretch/>
         </p:blipFill>
@@ -9265,7 +10336,7 @@
           <p:nvPr/>
         </p:nvPicPr>
         <p:blipFill>
-          <a:blip r:embed="rId3"/>
+          <a:blip r:embed="rId4"/>
           <a:stretch>
             <a:fillRect/>
           </a:stretch>
@@ -9659,7 +10730,7 @@
             <a:pPr lvl="1"/>
             <a:r>
               <a:rPr lang="en-US" dirty="0">
-                <a:hlinkClick r:id="rId2"/>
+                <a:hlinkClick r:id="rId3"/>
               </a:rPr>
               <a:t>https://docs.oracle.com/javase/7/docs/api/java/lang/Math.html</a:t>
             </a:r>

--- a/Slides/0909Recitation.pptx
+++ b/Slides/0909Recitation.pptx
@@ -124,6 +124,11 @@
       </a:defRPr>
     </a:lvl9pPr>
   </p:defaultTextStyle>
+  <p:extLst>
+    <p:ext uri="{EFAFB233-063F-42B5-8137-9DF3F51BA10A}">
+      <p15:sldGuideLst xmlns:p15="http://schemas.microsoft.com/office/powerpoint/2012/main"/>
+    </p:ext>
+  </p:extLst>
 </p:presentation>
 </file>
 
@@ -209,7 +214,7 @@
           <a:p>
             <a:fld id="{4B2C3995-10D3-7249-9CF2-C18001382AD9}" type="datetimeFigureOut">
               <a:rPr lang="en-US" smtClean="0"/>
-              <a:t>9/8/21</a:t>
+              <a:t>9/9/21</a:t>
             </a:fld>
             <a:endParaRPr lang="en-US"/>
           </a:p>
@@ -1773,7 +1778,7 @@
           <a:p>
             <a:fld id="{4AAD347D-5ACD-4C99-B74B-A9C85AD731AF}" type="datetimeFigureOut">
               <a:rPr lang="en-US" dirty="0"/>
-              <a:t>9/8/21</a:t>
+              <a:t>9/9/21</a:t>
             </a:fld>
             <a:endParaRPr lang="en-US" dirty="0"/>
           </a:p>
@@ -2043,7 +2048,7 @@
           <a:p>
             <a:fld id="{4509A250-FF31-4206-8172-F9D3106AACB1}" type="datetimeFigureOut">
               <a:rPr lang="en-US" dirty="0"/>
-              <a:t>9/8/21</a:t>
+              <a:t>9/9/21</a:t>
             </a:fld>
             <a:endParaRPr lang="en-US" dirty="0"/>
           </a:p>
@@ -2232,7 +2237,7 @@
           <a:p>
             <a:fld id="{4509A250-FF31-4206-8172-F9D3106AACB1}" type="datetimeFigureOut">
               <a:rPr lang="en-US" dirty="0"/>
-              <a:t>9/8/21</a:t>
+              <a:t>9/9/21</a:t>
             </a:fld>
             <a:endParaRPr lang="en-US" dirty="0"/>
           </a:p>
@@ -2500,7 +2505,7 @@
           <a:p>
             <a:fld id="{4509A250-FF31-4206-8172-F9D3106AACB1}" type="datetimeFigureOut">
               <a:rPr lang="en-US" dirty="0"/>
-              <a:t>9/8/21</a:t>
+              <a:t>9/9/21</a:t>
             </a:fld>
             <a:endParaRPr lang="en-US" dirty="0"/>
           </a:p>
@@ -2836,7 +2841,7 @@
           <a:p>
             <a:fld id="{4509A250-FF31-4206-8172-F9D3106AACB1}" type="datetimeFigureOut">
               <a:rPr lang="en-US" dirty="0"/>
-              <a:t>9/8/21</a:t>
+              <a:t>9/9/21</a:t>
             </a:fld>
             <a:endParaRPr lang="en-US" dirty="0"/>
           </a:p>
@@ -3454,7 +3459,7 @@
           <a:p>
             <a:fld id="{4509A250-FF31-4206-8172-F9D3106AACB1}" type="datetimeFigureOut">
               <a:rPr lang="en-US" dirty="0"/>
-              <a:t>9/8/21</a:t>
+              <a:t>9/9/21</a:t>
             </a:fld>
             <a:endParaRPr lang="en-US" dirty="0"/>
           </a:p>
@@ -4309,7 +4314,7 @@
           <a:p>
             <a:fld id="{4509A250-FF31-4206-8172-F9D3106AACB1}" type="datetimeFigureOut">
               <a:rPr lang="en-US" dirty="0"/>
-              <a:t>9/8/21</a:t>
+              <a:t>9/9/21</a:t>
             </a:fld>
             <a:endParaRPr lang="en-US" dirty="0"/>
           </a:p>
@@ -4474,7 +4479,7 @@
           <a:p>
             <a:fld id="{4509A250-FF31-4206-8172-F9D3106AACB1}" type="datetimeFigureOut">
               <a:rPr lang="en-US" dirty="0"/>
-              <a:t>9/8/21</a:t>
+              <a:t>9/9/21</a:t>
             </a:fld>
             <a:endParaRPr lang="en-US" dirty="0"/>
           </a:p>
@@ -4649,7 +4654,7 @@
           <a:p>
             <a:fld id="{4509A250-FF31-4206-8172-F9D3106AACB1}" type="datetimeFigureOut">
               <a:rPr lang="en-US" dirty="0"/>
-              <a:t>9/8/21</a:t>
+              <a:t>9/9/21</a:t>
             </a:fld>
             <a:endParaRPr lang="en-US" dirty="0"/>
           </a:p>
@@ -4814,7 +4819,7 @@
           <a:p>
             <a:fld id="{4509A250-FF31-4206-8172-F9D3106AACB1}" type="datetimeFigureOut">
               <a:rPr lang="en-US" dirty="0"/>
-              <a:t>9/8/21</a:t>
+              <a:t>9/9/21</a:t>
             </a:fld>
             <a:endParaRPr lang="en-US" dirty="0"/>
           </a:p>
@@ -5056,7 +5061,7 @@
           <a:p>
             <a:fld id="{9796027F-7875-4030-9381-8BD8C4F21935}" type="datetimeFigureOut">
               <a:rPr lang="en-US" dirty="0"/>
-              <a:t>9/8/21</a:t>
+              <a:t>9/9/21</a:t>
             </a:fld>
             <a:endParaRPr lang="en-US" dirty="0"/>
           </a:p>
@@ -5343,7 +5348,7 @@
           <a:p>
             <a:fld id="{9796027F-7875-4030-9381-8BD8C4F21935}" type="datetimeFigureOut">
               <a:rPr lang="en-US" dirty="0"/>
-              <a:t>9/8/21</a:t>
+              <a:t>9/9/21</a:t>
             </a:fld>
             <a:endParaRPr lang="en-US" dirty="0"/>
           </a:p>
@@ -5782,7 +5787,7 @@
           <a:p>
             <a:fld id="{9796027F-7875-4030-9381-8BD8C4F21935}" type="datetimeFigureOut">
               <a:rPr lang="en-US" dirty="0"/>
-              <a:t>9/8/21</a:t>
+              <a:t>9/9/21</a:t>
             </a:fld>
             <a:endParaRPr lang="en-US" dirty="0"/>
           </a:p>
@@ -5895,7 +5900,7 @@
           <a:p>
             <a:fld id="{4509A250-FF31-4206-8172-F9D3106AACB1}" type="datetimeFigureOut">
               <a:rPr lang="en-US" dirty="0"/>
-              <a:t>9/8/21</a:t>
+              <a:t>9/9/21</a:t>
             </a:fld>
             <a:endParaRPr lang="en-US" dirty="0"/>
           </a:p>
@@ -5985,7 +5990,7 @@
           <a:p>
             <a:fld id="{4509A250-FF31-4206-8172-F9D3106AACB1}" type="datetimeFigureOut">
               <a:rPr lang="en-US" dirty="0"/>
-              <a:t>9/8/21</a:t>
+              <a:t>9/9/21</a:t>
             </a:fld>
             <a:endParaRPr lang="en-US" dirty="0"/>
           </a:p>
@@ -6259,7 +6264,7 @@
           <a:p>
             <a:fld id="{4509A250-FF31-4206-8172-F9D3106AACB1}" type="datetimeFigureOut">
               <a:rPr lang="en-US" dirty="0"/>
-              <a:t>9/8/21</a:t>
+              <a:t>9/9/21</a:t>
             </a:fld>
             <a:endParaRPr lang="en-US" dirty="0"/>
           </a:p>
@@ -6529,7 +6534,7 @@
           <a:p>
             <a:fld id="{4509A250-FF31-4206-8172-F9D3106AACB1}" type="datetimeFigureOut">
               <a:rPr lang="en-US" dirty="0"/>
-              <a:t>9/8/21</a:t>
+              <a:t>9/9/21</a:t>
             </a:fld>
             <a:endParaRPr lang="en-US" dirty="0"/>
           </a:p>
@@ -6953,7 +6958,7 @@
           <a:p>
             <a:fld id="{4AAD347D-5ACD-4C99-B74B-A9C85AD731AF}" type="datetimeFigureOut">
               <a:rPr lang="en-US" dirty="0"/>
-              <a:t>9/8/21</a:t>
+              <a:t>9/9/21</a:t>
             </a:fld>
             <a:endParaRPr lang="en-US" dirty="0"/>
           </a:p>
@@ -9402,19 +9407,62 @@
         </p:nvSpPr>
         <p:spPr/>
         <p:txBody>
-          <a:bodyPr/>
-          <a:lstStyle/>
-          <a:p>
-            <a:r>
-              <a:rPr lang="en-US" dirty="0"/>
-              <a:t>Lab 1 is out…!</a:t>
+          <a:bodyPr>
+            <a:normAutofit lnSpcReduction="10000"/>
+          </a:bodyPr>
+          <a:lstStyle/>
+          <a:p>
+            <a:r>
+              <a:rPr lang="en-US" dirty="0"/>
+              <a:t>Labs 1 and 2 are out!</a:t>
             </a:r>
           </a:p>
           <a:p>
             <a:pPr lvl="1"/>
             <a:r>
               <a:rPr lang="en-US" dirty="0"/>
-              <a:t>It’s an easy one. All you have to do is show me that you have Java installed and can print “Hello world.” Due next Wednesday at 11:59! </a:t>
+              <a:t>Lab 1 is an easy one. All you have to do is show me that you have Java installed and can print “Hello world.”</a:t>
+            </a:r>
+          </a:p>
+          <a:p>
+            <a:pPr lvl="1"/>
+            <a:r>
+              <a:rPr lang="en-US" dirty="0"/>
+              <a:t>Lab 2 is also easy. All you have to do is explain concepts you learned in class.</a:t>
+            </a:r>
+          </a:p>
+          <a:p>
+            <a:pPr lvl="2"/>
+            <a:r>
+              <a:rPr lang="en-US" dirty="0"/>
+              <a:t>If one of the questions don’t make sense to you please come to my office hours or email me and I can guide you through it.</a:t>
+            </a:r>
+          </a:p>
+          <a:p>
+            <a:pPr lvl="2"/>
+            <a:r>
+              <a:rPr lang="en-US" dirty="0"/>
+              <a:t>I also added some helpful readings in the </a:t>
+            </a:r>
+            <a:r>
+              <a:rPr lang="en-US" dirty="0" err="1"/>
+              <a:t>Github</a:t>
+            </a:r>
+            <a:r>
+              <a:rPr lang="en-US" dirty="0"/>
+              <a:t> repo with </a:t>
+            </a:r>
+            <a:r>
+              <a:rPr lang="en-US"/>
+              <a:t>the slides.</a:t>
+            </a:r>
+            <a:endParaRPr lang="en-US" dirty="0"/>
+          </a:p>
+          <a:p>
+            <a:pPr lvl="1"/>
+            <a:r>
+              <a:rPr lang="en-US" dirty="0"/>
+              <a:t>Both are due next Wednesday (9/15) at 11:59!</a:t>
             </a:r>
           </a:p>
           <a:p>
@@ -9812,7 +9860,7 @@
         <p:spPr/>
         <p:txBody>
           <a:bodyPr>
-            <a:normAutofit fontScale="92500" lnSpcReduction="10000"/>
+            <a:normAutofit fontScale="92500" lnSpcReduction="20000"/>
           </a:bodyPr>
           <a:lstStyle/>
           <a:p>
@@ -9832,21 +9880,16 @@
               <a:rPr lang="en-US" dirty="0">
                 <a:hlinkClick r:id="rId3"/>
               </a:rPr>
-              <a:t>https://</a:t>
-            </a:r>
-            <a:r>
-              <a:rPr lang="en-US" dirty="0" err="1">
-                <a:hlinkClick r:id="rId3"/>
-              </a:rPr>
-              <a:t>github.com</a:t>
-            </a:r>
-            <a:r>
-              <a:rPr lang="en-US" dirty="0">
-                <a:hlinkClick r:id="rId3"/>
-              </a:rPr>
-              <a:t>/michaelbartlett17/cs7-recs/</a:t>
+              <a:t>https://github.com/michaelbartlett17/cs7-recs/</a:t>
             </a:r>
             <a:endParaRPr lang="en-US" dirty="0"/>
+          </a:p>
+          <a:p>
+            <a:pPr lvl="1"/>
+            <a:r>
+              <a:rPr lang="en-US" dirty="0"/>
+              <a:t>Link is on Canvas on the Recitation and TA info page.</a:t>
+            </a:r>
           </a:p>
           <a:p>
             <a:r>
